--- a/PESU_E&C_4th_Sem_data_transfer_with_ultrasonic v2.pptx
+++ b/PESU_E&C_4th_Sem_data_transfer_with_ultrasonic v2.pptx
@@ -16102,38 +16102,6 @@
       </p:sp>
       <p:sp>
         <p:nvSpPr>
-          <p:cNvPr id="3" name="Content Placeholder 2">
-            <a:extLst>
-              <a:ext uri="{FF2B5EF4-FFF2-40B4-BE49-F238E27FC236}">
-                <a16:creationId xmlns:a16="http://schemas.microsoft.com/office/drawing/2014/main" id="{D4055870-0D80-4702-9C9E-CC21838FC8EC}"/>
-              </a:ext>
-            </a:extLst>
-          </p:cNvPr>
-          <p:cNvSpPr>
-            <a:spLocks noGrp="1"/>
-          </p:cNvSpPr>
-          <p:nvPr>
-            <p:ph idx="1"/>
-          </p:nvPr>
-        </p:nvSpPr>
-        <p:spPr>
-          <a:xfrm>
-            <a:off x="250368" y="1231641"/>
-            <a:ext cx="11699893" cy="4803516"/>
-          </a:xfrm>
-        </p:spPr>
-        <p:txBody>
-          <a:bodyPr>
-            <a:normAutofit/>
-          </a:bodyPr>
-          <a:lstStyle/>
-          <a:p>
-            <a:endParaRPr lang="en-IN" sz="2400" dirty="0"/>
-          </a:p>
-        </p:txBody>
-      </p:sp>
-      <p:sp>
-        <p:nvSpPr>
           <p:cNvPr id="5" name="Slide Number Placeholder 4">
             <a:extLst>
               <a:ext uri="{FF2B5EF4-FFF2-40B4-BE49-F238E27FC236}">
@@ -16545,43 +16513,46 @@
             <a:pPr algn="ctr"/>
             <a:r>
               <a:rPr lang="en-US" dirty="0"/>
-              <a:t>Results</a:t>
+              <a:t>Demo Video</a:t>
             </a:r>
           </a:p>
         </p:txBody>
       </p:sp>
-      <p:sp>
-        <p:nvSpPr>
-          <p:cNvPr id="3" name="Content Placeholder 2">
+      <p:pic>
+        <p:nvPicPr>
+          <p:cNvPr id="4" name="Output_Waveform">
+            <a:hlinkClick r:id="" action="ppaction://media"/>
             <a:extLst>
               <a:ext uri="{FF2B5EF4-FFF2-40B4-BE49-F238E27FC236}">
-                <a16:creationId xmlns:a16="http://schemas.microsoft.com/office/drawing/2014/main" id="{D4055870-0D80-4702-9C9E-CC21838FC8EC}"/>
+                <a16:creationId xmlns:a16="http://schemas.microsoft.com/office/drawing/2014/main" id="{BA1DE29D-9CE0-4A82-AF02-CF04AACF4CD3}"/>
               </a:ext>
             </a:extLst>
           </p:cNvPr>
-          <p:cNvSpPr>
-            <a:spLocks noGrp="1"/>
-          </p:cNvSpPr>
+          <p:cNvPicPr>
+            <a:picLocks noGrp="1" noChangeAspect="1"/>
+          </p:cNvPicPr>
           <p:nvPr>
             <p:ph idx="1"/>
+            <a:videoFile r:link="rId2"/>
+            <p:extLst>
+              <p:ext uri="{DAA4B4D4-6D71-4841-9C94-3DE7FCFB9230}">
+                <p14:media xmlns:p14="http://schemas.microsoft.com/office/powerpoint/2010/main" r:embed="rId1"/>
+              </p:ext>
+            </p:extLst>
           </p:nvPr>
-        </p:nvSpPr>
+        </p:nvPicPr>
+        <p:blipFill rotWithShape="1">
+          <a:blip r:embed="rId5"/>
+          <a:srcRect l="3439" t="9468" r="7060"/>
+          <a:stretch/>
+        </p:blipFill>
         <p:spPr>
           <a:xfrm>
-            <a:off x="250369" y="1231641"/>
-            <a:ext cx="10515600" cy="4803516"/>
+            <a:off x="1512505" y="1036153"/>
+            <a:ext cx="9156479" cy="5209500"/>
           </a:xfrm>
         </p:spPr>
-        <p:txBody>
-          <a:bodyPr>
-            <a:normAutofit/>
-          </a:bodyPr>
-          <a:lstStyle/>
-          <a:p>
-            <a:endParaRPr lang="en-IN" sz="2400" dirty="0"/>
-          </a:p>
-        </p:txBody>
-      </p:sp>
+      </p:pic>
       <p:sp>
         <p:nvSpPr>
           <p:cNvPr id="5" name="Slide Number Placeholder 4">
@@ -16655,7 +16626,7 @@
           <p:nvPr/>
         </p:nvPicPr>
         <p:blipFill rotWithShape="1">
-          <a:blip r:embed="rId3">
+          <a:blip r:embed="rId6">
             <a:extLst>
               <a:ext uri="{28A0092B-C50C-407E-A947-70E740481C1C}">
                 <a14:useLocalDpi xmlns:a14="http://schemas.microsoft.com/office/drawing/2010/main" val="0"/>
@@ -16690,7 +16661,7 @@
           <p:nvPr/>
         </p:nvPicPr>
         <p:blipFill>
-          <a:blip r:embed="rId4">
+          <a:blip r:embed="rId7">
             <a:extLst>
               <a:ext uri="{28A0092B-C50C-407E-A947-70E740481C1C}">
                 <a14:useLocalDpi xmlns:a14="http://schemas.microsoft.com/office/drawing/2010/main" val="0"/>
@@ -16721,6 +16692,144 @@
   <p:clrMapOvr>
     <a:masterClrMapping/>
   </p:clrMapOvr>
+  <p:timing>
+    <p:tnLst>
+      <p:par>
+        <p:cTn id="1" dur="indefinite" restart="never" nodeType="tmRoot">
+          <p:childTnLst>
+            <p:seq concurrent="1" nextAc="seek">
+              <p:cTn id="2" dur="indefinite" nodeType="mainSeq">
+                <p:childTnLst>
+                  <p:par>
+                    <p:cTn id="3" fill="hold">
+                      <p:stCondLst>
+                        <p:cond delay="indefinite"/>
+                        <p:cond evt="onBegin" delay="0">
+                          <p:tn val="2"/>
+                        </p:cond>
+                      </p:stCondLst>
+                      <p:childTnLst>
+                        <p:par>
+                          <p:cTn id="4" fill="hold">
+                            <p:stCondLst>
+                              <p:cond delay="0"/>
+                            </p:stCondLst>
+                            <p:childTnLst>
+                              <p:par>
+                                <p:cTn id="5" presetID="1" presetClass="mediacall" presetSubtype="0" fill="hold" nodeType="afterEffect">
+                                  <p:stCondLst>
+                                    <p:cond delay="0"/>
+                                  </p:stCondLst>
+                                  <p:childTnLst>
+                                    <p:cmd type="call" cmd="playFrom(0.0)">
+                                      <p:cBhvr>
+                                        <p:cTn id="6" dur="8731" fill="hold"/>
+                                        <p:tgtEl>
+                                          <p:spTgt spid="4"/>
+                                        </p:tgtEl>
+                                      </p:cBhvr>
+                                    </p:cmd>
+                                  </p:childTnLst>
+                                </p:cTn>
+                              </p:par>
+                            </p:childTnLst>
+                          </p:cTn>
+                        </p:par>
+                      </p:childTnLst>
+                    </p:cTn>
+                  </p:par>
+                </p:childTnLst>
+              </p:cTn>
+              <p:prevCondLst>
+                <p:cond evt="onPrev" delay="0">
+                  <p:tgtEl>
+                    <p:sldTgt/>
+                  </p:tgtEl>
+                </p:cond>
+              </p:prevCondLst>
+              <p:nextCondLst>
+                <p:cond evt="onNext" delay="0">
+                  <p:tgtEl>
+                    <p:sldTgt/>
+                  </p:tgtEl>
+                </p:cond>
+              </p:nextCondLst>
+            </p:seq>
+            <p:video>
+              <p:cMediaNode vol="80000" mute="1">
+                <p:cTn id="7" repeatCount="indefinite" fill="hold" display="0">
+                  <p:stCondLst>
+                    <p:cond delay="indefinite"/>
+                  </p:stCondLst>
+                </p:cTn>
+                <p:tgtEl>
+                  <p:spTgt spid="4"/>
+                </p:tgtEl>
+              </p:cMediaNode>
+            </p:video>
+            <p:seq concurrent="1" nextAc="seek">
+              <p:cTn id="8" restart="whenNotActive" fill="hold" evtFilter="cancelBubble" nodeType="interactiveSeq">
+                <p:stCondLst>
+                  <p:cond evt="onClick" delay="0">
+                    <p:tgtEl>
+                      <p:spTgt spid="4"/>
+                    </p:tgtEl>
+                  </p:cond>
+                </p:stCondLst>
+                <p:endSync evt="end" delay="0">
+                  <p:rtn val="all"/>
+                </p:endSync>
+                <p:childTnLst>
+                  <p:par>
+                    <p:cTn id="9" fill="hold">
+                      <p:stCondLst>
+                        <p:cond delay="0"/>
+                      </p:stCondLst>
+                      <p:childTnLst>
+                        <p:par>
+                          <p:cTn id="10" fill="hold">
+                            <p:stCondLst>
+                              <p:cond delay="0"/>
+                            </p:stCondLst>
+                            <p:childTnLst>
+                              <p:par>
+                                <p:cTn id="11" presetID="2" presetClass="mediacall" presetSubtype="0" fill="hold" nodeType="clickEffect">
+                                  <p:stCondLst>
+                                    <p:cond delay="0"/>
+                                  </p:stCondLst>
+                                  <p:childTnLst>
+                                    <p:cmd type="call" cmd="togglePause">
+                                      <p:cBhvr>
+                                        <p:cTn id="12" dur="1" fill="hold"/>
+                                        <p:tgtEl>
+                                          <p:spTgt spid="4"/>
+                                        </p:tgtEl>
+                                      </p:cBhvr>
+                                    </p:cmd>
+                                  </p:childTnLst>
+                                </p:cTn>
+                              </p:par>
+                            </p:childTnLst>
+                          </p:cTn>
+                        </p:par>
+                      </p:childTnLst>
+                    </p:cTn>
+                  </p:par>
+                </p:childTnLst>
+              </p:cTn>
+              <p:nextCondLst>
+                <p:cond evt="onClick" delay="0">
+                  <p:tgtEl>
+                    <p:spTgt spid="4"/>
+                  </p:tgtEl>
+                </p:cond>
+              </p:nextCondLst>
+            </p:seq>
+          </p:childTnLst>
+        </p:cTn>
+      </p:par>
+    </p:tnLst>
+  </p:timing>
 </p:sld>
 </file>
 

--- a/PESU_E&C_4th_Sem_data_transfer_with_ultrasonic v2.pptx
+++ b/PESU_E&C_4th_Sem_data_transfer_with_ultrasonic v2.pptx
@@ -11013,6 +11013,19 @@
           <a:bodyPr/>
           <a:lstStyle/>
           <a:p>
+            <a:r>
+              <a:rPr lang="en-IN" sz="1200" dirty="0"/>
+              <a:t>&gt;&gt; Uses PNP and NPN transistors to bring the current levels to an optimum range which is suitable for the ultrasonic transducers to operate.</a:t>
+            </a:r>
+            <a:endParaRPr lang="en-IN" sz="1100" dirty="0"/>
+          </a:p>
+          <a:p>
+            <a:r>
+              <a:rPr lang="en-IN" sz="1200" dirty="0"/>
+              <a:t>&gt;&gt; The current levels varies with respect to the message signal.</a:t>
+            </a:r>
+          </a:p>
+          <a:p>
             <a:endParaRPr lang="en-US" dirty="0"/>
           </a:p>
         </p:txBody>
@@ -14951,6 +14964,28 @@
               <a:t>Dr. Anuradha M</a:t>
             </a:r>
           </a:p>
+          <a:p>
+            <a:pPr algn="l"/>
+            <a:r>
+              <a:rPr lang="en-US" sz="2000" dirty="0">
+                <a:latin typeface="Tahoma" panose="020B0604030504040204" pitchFamily="34" charset="0"/>
+                <a:ea typeface="Tahoma" panose="020B0604030504040204" pitchFamily="34" charset="0"/>
+                <a:cs typeface="Tahoma" panose="020B0604030504040204" pitchFamily="34" charset="0"/>
+              </a:rPr>
+              <a:t>Mrs. Savithri K R</a:t>
+            </a:r>
+          </a:p>
+          <a:p>
+            <a:pPr algn="l"/>
+            <a:r>
+              <a:rPr lang="en-US" sz="2000" dirty="0">
+                <a:latin typeface="Tahoma" panose="020B0604030504040204" pitchFamily="34" charset="0"/>
+                <a:ea typeface="Tahoma" panose="020B0604030504040204" pitchFamily="34" charset="0"/>
+                <a:cs typeface="Tahoma" panose="020B0604030504040204" pitchFamily="34" charset="0"/>
+              </a:rPr>
+              <a:t>Ms. Shilpa Hosur</a:t>
+            </a:r>
+          </a:p>
         </p:txBody>
       </p:sp>
       <p:pic>
@@ -15234,6 +15269,35 @@
           <a:xfrm>
             <a:off x="11291030" y="208153"/>
             <a:ext cx="828000" cy="828000"/>
+          </a:xfrm>
+          <a:prstGeom prst="rect">
+            <a:avLst/>
+          </a:prstGeom>
+        </p:spPr>
+      </p:pic>
+      <p:pic>
+        <p:nvPicPr>
+          <p:cNvPr id="3" name="Picture 2">
+            <a:extLst>
+              <a:ext uri="{FF2B5EF4-FFF2-40B4-BE49-F238E27FC236}">
+                <a16:creationId xmlns:a16="http://schemas.microsoft.com/office/drawing/2014/main" id="{3E243A10-605D-4EF4-BEE2-585ABA44D9B4}"/>
+              </a:ext>
+            </a:extLst>
+          </p:cNvPr>
+          <p:cNvPicPr>
+            <a:picLocks noChangeAspect="1"/>
+          </p:cNvPicPr>
+          <p:nvPr/>
+        </p:nvPicPr>
+        <p:blipFill rotWithShape="1">
+          <a:blip r:embed="rId5"/>
+          <a:srcRect t="8941" b="6691"/>
+          <a:stretch/>
+        </p:blipFill>
+        <p:spPr>
+          <a:xfrm>
+            <a:off x="1036344" y="1690620"/>
+            <a:ext cx="10108800" cy="4056994"/>
           </a:xfrm>
           <a:prstGeom prst="rect">
             <a:avLst/>
@@ -15433,6 +15497,72 @@
           </a:prstGeom>
         </p:spPr>
       </p:pic>
+      <p:pic>
+        <p:nvPicPr>
+          <p:cNvPr id="3" name="Picture 2">
+            <a:extLst>
+              <a:ext uri="{FF2B5EF4-FFF2-40B4-BE49-F238E27FC236}">
+                <a16:creationId xmlns:a16="http://schemas.microsoft.com/office/drawing/2014/main" id="{4EDC51A5-C379-45F0-9F57-58B45496B3B6}"/>
+              </a:ext>
+            </a:extLst>
+          </p:cNvPr>
+          <p:cNvPicPr>
+            <a:picLocks noChangeAspect="1"/>
+          </p:cNvPicPr>
+          <p:nvPr/>
+        </p:nvPicPr>
+        <p:blipFill>
+          <a:blip r:embed="rId5"/>
+          <a:stretch>
+            <a:fillRect/>
+          </a:stretch>
+        </p:blipFill>
+        <p:spPr>
+          <a:xfrm>
+            <a:off x="1082617" y="1191245"/>
+            <a:ext cx="10016254" cy="4608000"/>
+          </a:xfrm>
+          <a:prstGeom prst="rect">
+            <a:avLst/>
+          </a:prstGeom>
+        </p:spPr>
+      </p:pic>
+      <p:sp>
+        <p:nvSpPr>
+          <p:cNvPr id="8" name="TextBox 7">
+            <a:extLst>
+              <a:ext uri="{FF2B5EF4-FFF2-40B4-BE49-F238E27FC236}">
+                <a16:creationId xmlns:a16="http://schemas.microsoft.com/office/drawing/2014/main" id="{C2272A66-542B-4C0B-92A0-EC727C3F483A}"/>
+              </a:ext>
+            </a:extLst>
+          </p:cNvPr>
+          <p:cNvSpPr txBox="1"/>
+          <p:nvPr/>
+        </p:nvSpPr>
+        <p:spPr>
+          <a:xfrm>
+            <a:off x="2033751" y="5908606"/>
+            <a:ext cx="8113986" cy="276999"/>
+          </a:xfrm>
+          <a:prstGeom prst="rect">
+            <a:avLst/>
+          </a:prstGeom>
+          <a:noFill/>
+        </p:spPr>
+        <p:txBody>
+          <a:bodyPr wrap="square" rtlCol="0">
+            <a:spAutoFit/>
+          </a:bodyPr>
+          <a:lstStyle/>
+          <a:p>
+            <a:pPr algn="ctr"/>
+            <a:r>
+              <a:rPr lang="en-US" sz="1200" dirty="0"/>
+              <a:t>Simulation of Receiver Circuit on LTSpice software</a:t>
+            </a:r>
+          </a:p>
+        </p:txBody>
+      </p:sp>
     </p:spTree>
     <p:extLst>
       <p:ext uri="{BB962C8B-B14F-4D97-AF65-F5344CB8AC3E}">
@@ -16902,8 +17032,8 @@
         </p:nvSpPr>
         <p:spPr>
           <a:xfrm>
-            <a:off x="250369" y="1231641"/>
-            <a:ext cx="10515600" cy="4803516"/>
+            <a:off x="250368" y="1231641"/>
+            <a:ext cx="11699893" cy="4803516"/>
           </a:xfrm>
         </p:spPr>
         <p:txBody>
@@ -16911,6 +17041,77 @@
             <a:normAutofit/>
           </a:bodyPr>
           <a:lstStyle/>
+          <a:p>
+            <a:pPr>
+              <a:lnSpc>
+                <a:spcPct val="150000"/>
+              </a:lnSpc>
+            </a:pPr>
+            <a:r>
+              <a:rPr lang="en-IN" sz="2400" dirty="0"/>
+              <a:t>To improve the prototype for dynamic length of transmission</a:t>
+            </a:r>
+          </a:p>
+          <a:p>
+            <a:pPr>
+              <a:lnSpc>
+                <a:spcPct val="150000"/>
+              </a:lnSpc>
+            </a:pPr>
+            <a:r>
+              <a:rPr lang="en-IN" sz="2400" dirty="0"/>
+              <a:t>Find better, efficient algorithm to increase the speed of transmission</a:t>
+            </a:r>
+          </a:p>
+          <a:p>
+            <a:pPr>
+              <a:lnSpc>
+                <a:spcPct val="150000"/>
+              </a:lnSpc>
+            </a:pPr>
+            <a:r>
+              <a:rPr lang="en-IN" sz="2400" dirty="0"/>
+              <a:t>Interface with smartphones</a:t>
+            </a:r>
+          </a:p>
+          <a:p>
+            <a:pPr lvl="1">
+              <a:lnSpc>
+                <a:spcPct val="150000"/>
+              </a:lnSpc>
+            </a:pPr>
+            <a:r>
+              <a:rPr lang="en-IN" dirty="0"/>
+              <a:t>To help in transfer of data in electromagnetic sensitive zones.</a:t>
+            </a:r>
+          </a:p>
+          <a:p>
+            <a:pPr lvl="1">
+              <a:lnSpc>
+                <a:spcPct val="150000"/>
+              </a:lnSpc>
+            </a:pPr>
+            <a:r>
+              <a:rPr lang="en-IN" dirty="0"/>
+              <a:t>To help in pairing of devices</a:t>
+            </a:r>
+          </a:p>
+          <a:p>
+            <a:pPr lvl="1">
+              <a:lnSpc>
+                <a:spcPct val="150000"/>
+              </a:lnSpc>
+            </a:pPr>
+            <a:endParaRPr lang="en-IN" dirty="0"/>
+          </a:p>
+          <a:p>
+            <a:pPr>
+              <a:lnSpc>
+                <a:spcPct val="100000"/>
+              </a:lnSpc>
+            </a:pPr>
+            <a:endParaRPr lang="en-IN" sz="2400" dirty="0"/>
+          </a:p>
           <a:p>
             <a:endParaRPr lang="en-IN" sz="2400" dirty="0"/>
           </a:p>
@@ -17127,8 +17328,8 @@
         </p:nvSpPr>
         <p:spPr>
           <a:xfrm>
-            <a:off x="250369" y="1231641"/>
-            <a:ext cx="10515600" cy="4803516"/>
+            <a:off x="250368" y="1231641"/>
+            <a:ext cx="11636831" cy="4803516"/>
           </a:xfrm>
         </p:spPr>
         <p:txBody>
@@ -17137,7 +17338,27 @@
           </a:bodyPr>
           <a:lstStyle/>
           <a:p>
-            <a:endParaRPr lang="en-IN" sz="2400" dirty="0"/>
+            <a:pPr>
+              <a:lnSpc>
+                <a:spcPct val="150000"/>
+              </a:lnSpc>
+            </a:pPr>
+            <a:r>
+              <a:rPr lang="en-IN" sz="2400" dirty="0"/>
+              <a:t>Successfully transmitted data using Ultrasonic sound.</a:t>
+            </a:r>
+            <a:endParaRPr lang="en-IN" sz="2000" dirty="0"/>
+          </a:p>
+          <a:p>
+            <a:pPr>
+              <a:lnSpc>
+                <a:spcPct val="150000"/>
+              </a:lnSpc>
+            </a:pPr>
+            <a:r>
+              <a:rPr lang="en-IN" sz="2400" dirty="0"/>
+              <a:t>Our prototype works only when transmitter and receiver transducers are in line-of-sight.</a:t>
+            </a:r>
           </a:p>
         </p:txBody>
       </p:sp>
@@ -18352,7 +18573,7 @@
           <p:nvPr>
             <p:extLst>
               <p:ext uri="{D42A27DB-BD31-4B8C-83A1-F6EECF244321}">
-                <p14:modId xmlns:p14="http://schemas.microsoft.com/office/powerpoint/2010/main" val="1445369406"/>
+                <p14:modId xmlns:p14="http://schemas.microsoft.com/office/powerpoint/2010/main" val="622823551"/>
               </p:ext>
             </p:extLst>
           </p:nvPr>
@@ -18514,7 +18735,7 @@
                           <a:ea typeface="+mn-ea"/>
                           <a:cs typeface="+mn-cs"/>
                         </a:rPr>
-                        <a:t>UART</a:t>
+                        <a:t>bps</a:t>
                       </a:r>
                     </a:p>
                   </a:txBody>
@@ -18575,7 +18796,7 @@
                           <a:ea typeface="+mn-ea"/>
                           <a:cs typeface="+mn-cs"/>
                         </a:rPr>
-                        <a:t>Universal Asynchronous Receiver Transmitter</a:t>
+                        <a:t>bits per second</a:t>
                       </a:r>
                     </a:p>
                   </a:txBody>
@@ -21638,7 +21859,7 @@
           <p:nvPr>
             <p:extLst>
               <p:ext uri="{D42A27DB-BD31-4B8C-83A1-F6EECF244321}">
-                <p14:modId xmlns:p14="http://schemas.microsoft.com/office/powerpoint/2010/main" val="4006789404"/>
+                <p14:modId xmlns:p14="http://schemas.microsoft.com/office/powerpoint/2010/main" val="4108449504"/>
               </p:ext>
             </p:extLst>
           </p:nvPr>
@@ -22171,7 +22392,7 @@
                           <a:ea typeface="Tahoma" panose="020B0604030504040204" pitchFamily="34" charset="0"/>
                           <a:cs typeface="Tahoma" panose="020B0604030504040204" pitchFamily="34" charset="0"/>
                         </a:rPr>
-                        <a:t>30</a:t>
+                        <a:t>20</a:t>
                       </a:r>
                     </a:p>
                   </a:txBody>
@@ -23066,7 +23287,7 @@
                           <a:ea typeface="Tahoma" panose="020B0604030504040204" pitchFamily="34" charset="0"/>
                           <a:cs typeface="Tahoma" panose="020B0604030504040204" pitchFamily="34" charset="0"/>
                         </a:rPr>
-                        <a:t>40</a:t>
+                        <a:t>80</a:t>
                       </a:r>
                     </a:p>
                   </a:txBody>
@@ -23125,7 +23346,7 @@
                           <a:ea typeface="Tahoma" panose="020B0604030504040204" pitchFamily="34" charset="0"/>
                           <a:cs typeface="Tahoma" panose="020B0604030504040204" pitchFamily="34" charset="0"/>
                         </a:rPr>
-                        <a:t>kHz</a:t>
+                        <a:t>bps</a:t>
                       </a:r>
                     </a:p>
                   </a:txBody>
@@ -24300,7 +24521,7 @@
           <a:p>
             <a:r>
               <a:rPr lang="en-IN" dirty="0"/>
-              <a:t>Short-range, secure resource sharing between devices.</a:t>
+              <a:t>Short-range resource sharing between devices.</a:t>
             </a:r>
           </a:p>
           <a:p>
@@ -25797,15 +26018,22 @@
           </p:cNvPicPr>
           <p:nvPr/>
         </p:nvPicPr>
-        <p:blipFill rotWithShape="1">
-          <a:blip r:embed="rId3"/>
-          <a:srcRect l="260" t="14954" r="419" b="14961"/>
-          <a:stretch/>
+        <p:blipFill>
+          <a:blip r:embed="rId3">
+            <a:extLst>
+              <a:ext uri="{28A0092B-C50C-407E-A947-70E740481C1C}">
+                <a14:useLocalDpi xmlns:a14="http://schemas.microsoft.com/office/drawing/2010/main" val="0"/>
+              </a:ext>
+            </a:extLst>
+          </a:blip>
+          <a:stretch>
+            <a:fillRect/>
+          </a:stretch>
         </p:blipFill>
         <p:spPr>
           <a:xfrm>
-            <a:off x="1736956" y="2668424"/>
-            <a:ext cx="10108203" cy="3384330"/>
+            <a:off x="949374" y="1816142"/>
+            <a:ext cx="10282739" cy="3805949"/>
           </a:xfrm>
           <a:prstGeom prst="rect">
             <a:avLst/>
@@ -25842,48 +26070,6 @@
             <a:r>
               <a:rPr lang="en-US" dirty="0"/>
               <a:t>Transmitter Schematic</a:t>
-            </a:r>
-          </a:p>
-        </p:txBody>
-      </p:sp>
-      <p:sp>
-        <p:nvSpPr>
-          <p:cNvPr id="3" name="Content Placeholder 2">
-            <a:extLst>
-              <a:ext uri="{FF2B5EF4-FFF2-40B4-BE49-F238E27FC236}">
-                <a16:creationId xmlns:a16="http://schemas.microsoft.com/office/drawing/2014/main" id="{D4055870-0D80-4702-9C9E-CC21838FC8EC}"/>
-              </a:ext>
-            </a:extLst>
-          </p:cNvPr>
-          <p:cNvSpPr>
-            <a:spLocks noGrp="1"/>
-          </p:cNvSpPr>
-          <p:nvPr>
-            <p:ph idx="1"/>
-          </p:nvPr>
-        </p:nvSpPr>
-        <p:spPr>
-          <a:xfrm>
-            <a:off x="250369" y="1231641"/>
-            <a:ext cx="11594790" cy="1133187"/>
-          </a:xfrm>
-        </p:spPr>
-        <p:txBody>
-          <a:bodyPr>
-            <a:normAutofit/>
-          </a:bodyPr>
-          <a:lstStyle/>
-          <a:p>
-            <a:r>
-              <a:rPr lang="en-IN" sz="2000" dirty="0"/>
-              <a:t>Uses PNP and NPN transistors to bring the current levels to an optimum range which is suitable for the ultrasonic transducers to operate.</a:t>
-            </a:r>
-            <a:endParaRPr lang="en-IN" sz="1800" dirty="0"/>
-          </a:p>
-          <a:p>
-            <a:r>
-              <a:rPr lang="en-IN" sz="2000" dirty="0"/>
-              <a:t>The current levels varies with respect to the message signal.</a:t>
             </a:r>
           </a:p>
         </p:txBody>
@@ -26068,7 +26254,7 @@
         </p:blipFill>
         <p:spPr>
           <a:xfrm>
-            <a:off x="996381" y="1131571"/>
+            <a:off x="1084246" y="1131571"/>
             <a:ext cx="10012996" cy="4606290"/>
           </a:xfrm>
           <a:prstGeom prst="rect">
@@ -26182,7 +26368,7 @@
         </p:nvSpPr>
         <p:spPr>
           <a:xfrm>
-            <a:off x="2049517" y="5908606"/>
+            <a:off x="2033751" y="5908606"/>
             <a:ext cx="8113986" cy="276999"/>
           </a:xfrm>
           <a:prstGeom prst="rect">

--- a/PESU_E&C_4th_Sem_data_transfer_with_ultrasonic v2.pptx
+++ b/PESU_E&C_4th_Sem_data_transfer_with_ultrasonic v2.pptx
@@ -15563,6 +15563,42 @@
           </a:p>
         </p:txBody>
       </p:sp>
+      <p:sp>
+        <p:nvSpPr>
+          <p:cNvPr id="11" name="TextBox 10">
+            <a:extLst>
+              <a:ext uri="{FF2B5EF4-FFF2-40B4-BE49-F238E27FC236}">
+                <a16:creationId xmlns:a16="http://schemas.microsoft.com/office/drawing/2014/main" id="{4849B939-5550-464A-885D-B5FBBD03528A}"/>
+              </a:ext>
+            </a:extLst>
+          </p:cNvPr>
+          <p:cNvSpPr txBox="1"/>
+          <p:nvPr/>
+        </p:nvSpPr>
+        <p:spPr>
+          <a:xfrm>
+            <a:off x="2039007" y="5908606"/>
+            <a:ext cx="8113986" cy="276999"/>
+          </a:xfrm>
+          <a:prstGeom prst="rect">
+            <a:avLst/>
+          </a:prstGeom>
+          <a:noFill/>
+        </p:spPr>
+        <p:txBody>
+          <a:bodyPr wrap="square" rtlCol="0">
+            <a:spAutoFit/>
+          </a:bodyPr>
+          <a:lstStyle/>
+          <a:p>
+            <a:pPr algn="ctr"/>
+            <a:r>
+              <a:rPr lang="en-US" sz="1200" dirty="0"/>
+              <a:t>Simulation of Receiver Circuit on LTSpice software</a:t>
+            </a:r>
+          </a:p>
+        </p:txBody>
+      </p:sp>
     </p:spTree>
     <p:extLst>
       <p:ext uri="{BB962C8B-B14F-4D97-AF65-F5344CB8AC3E}">
@@ -15669,6 +15705,9 @@
           </a:p>
           <a:p>
             <a:pPr marL="457200" indent="-457200">
+              <a:lnSpc>
+                <a:spcPct val="100000"/>
+              </a:lnSpc>
               <a:buFont typeface="+mj-lt"/>
               <a:buAutoNum type="arabicPeriod"/>
             </a:pPr>
@@ -16425,38 +16464,6 @@
       </p:sp>
       <p:sp>
         <p:nvSpPr>
-          <p:cNvPr id="3" name="Content Placeholder 2">
-            <a:extLst>
-              <a:ext uri="{FF2B5EF4-FFF2-40B4-BE49-F238E27FC236}">
-                <a16:creationId xmlns:a16="http://schemas.microsoft.com/office/drawing/2014/main" id="{D4055870-0D80-4702-9C9E-CC21838FC8EC}"/>
-              </a:ext>
-            </a:extLst>
-          </p:cNvPr>
-          <p:cNvSpPr>
-            <a:spLocks noGrp="1"/>
-          </p:cNvSpPr>
-          <p:nvPr>
-            <p:ph idx="1"/>
-          </p:nvPr>
-        </p:nvSpPr>
-        <p:spPr>
-          <a:xfrm>
-            <a:off x="250368" y="1231641"/>
-            <a:ext cx="11710403" cy="4803516"/>
-          </a:xfrm>
-        </p:spPr>
-        <p:txBody>
-          <a:bodyPr>
-            <a:normAutofit/>
-          </a:bodyPr>
-          <a:lstStyle/>
-          <a:p>
-            <a:endParaRPr lang="en-IN" sz="2400" dirty="0"/>
-          </a:p>
-        </p:txBody>
-      </p:sp>
-      <p:sp>
-        <p:nvSpPr>
           <p:cNvPr id="5" name="Slide Number Placeholder 4">
             <a:extLst>
               <a:ext uri="{FF2B5EF4-FFF2-40B4-BE49-F238E27FC236}">
@@ -16584,6 +16591,107 @@
           </a:prstGeom>
         </p:spPr>
       </p:pic>
+      <p:pic>
+        <p:nvPicPr>
+          <p:cNvPr id="4" name="Picture 3">
+            <a:extLst>
+              <a:ext uri="{FF2B5EF4-FFF2-40B4-BE49-F238E27FC236}">
+                <a16:creationId xmlns:a16="http://schemas.microsoft.com/office/drawing/2014/main" id="{35106823-7FAC-4D1A-98EF-C82C18BE65FD}"/>
+              </a:ext>
+            </a:extLst>
+          </p:cNvPr>
+          <p:cNvPicPr>
+            <a:picLocks noChangeAspect="1"/>
+          </p:cNvPicPr>
+          <p:nvPr/>
+        </p:nvPicPr>
+        <p:blipFill rotWithShape="1">
+          <a:blip r:embed="rId5"/>
+          <a:srcRect b="4675"/>
+          <a:stretch/>
+        </p:blipFill>
+        <p:spPr>
+          <a:xfrm>
+            <a:off x="1651053" y="1081884"/>
+            <a:ext cx="8879381" cy="4761185"/>
+          </a:xfrm>
+          <a:prstGeom prst="rect">
+            <a:avLst/>
+          </a:prstGeom>
+        </p:spPr>
+      </p:pic>
+      <p:sp>
+        <p:nvSpPr>
+          <p:cNvPr id="10" name="TextBox 9">
+            <a:extLst>
+              <a:ext uri="{FF2B5EF4-FFF2-40B4-BE49-F238E27FC236}">
+                <a16:creationId xmlns:a16="http://schemas.microsoft.com/office/drawing/2014/main" id="{2C483349-20D3-4661-A723-4CCF2F7C33BA}"/>
+              </a:ext>
+            </a:extLst>
+          </p:cNvPr>
+          <p:cNvSpPr txBox="1"/>
+          <p:nvPr/>
+        </p:nvSpPr>
+        <p:spPr>
+          <a:xfrm>
+            <a:off x="1651053" y="5843070"/>
+            <a:ext cx="4444947" cy="277000"/>
+          </a:xfrm>
+          <a:prstGeom prst="rect">
+            <a:avLst/>
+          </a:prstGeom>
+          <a:noFill/>
+        </p:spPr>
+        <p:txBody>
+          <a:bodyPr wrap="square" rtlCol="0">
+            <a:spAutoFit/>
+          </a:bodyPr>
+          <a:lstStyle/>
+          <a:p>
+            <a:pPr algn="ctr"/>
+            <a:r>
+              <a:rPr lang="en-US" sz="1200" dirty="0"/>
+              <a:t>Simulation of Receiver Circuit on LTSpice software</a:t>
+            </a:r>
+          </a:p>
+        </p:txBody>
+      </p:sp>
+      <p:sp>
+        <p:nvSpPr>
+          <p:cNvPr id="11" name="TextBox 10">
+            <a:extLst>
+              <a:ext uri="{FF2B5EF4-FFF2-40B4-BE49-F238E27FC236}">
+                <a16:creationId xmlns:a16="http://schemas.microsoft.com/office/drawing/2014/main" id="{8F2BD91E-ADD4-49EB-98FD-BB78842CF714}"/>
+              </a:ext>
+            </a:extLst>
+          </p:cNvPr>
+          <p:cNvSpPr txBox="1"/>
+          <p:nvPr/>
+        </p:nvSpPr>
+        <p:spPr>
+          <a:xfrm>
+            <a:off x="6096000" y="5843069"/>
+            <a:ext cx="4434434" cy="277001"/>
+          </a:xfrm>
+          <a:prstGeom prst="rect">
+            <a:avLst/>
+          </a:prstGeom>
+          <a:noFill/>
+        </p:spPr>
+        <p:txBody>
+          <a:bodyPr wrap="square" rtlCol="0">
+            <a:spAutoFit/>
+          </a:bodyPr>
+          <a:lstStyle/>
+          <a:p>
+            <a:pPr algn="ctr"/>
+            <a:r>
+              <a:rPr lang="en-US" sz="1200" dirty="0"/>
+              <a:t>Simulation of Receiver Circuit on LTSpice software</a:t>
+            </a:r>
+          </a:p>
+        </p:txBody>
+      </p:sp>
     </p:spTree>
     <p:extLst>
       <p:ext uri="{BB962C8B-B14F-4D97-AF65-F5344CB8AC3E}">
@@ -26032,7 +26140,7 @@
         </p:blipFill>
         <p:spPr>
           <a:xfrm>
-            <a:off x="949374" y="1816142"/>
+            <a:off x="949374" y="1795122"/>
             <a:ext cx="10282739" cy="3805949"/>
           </a:xfrm>
           <a:prstGeom prst="rect">
@@ -26254,7 +26362,7 @@
         </p:blipFill>
         <p:spPr>
           <a:xfrm>
-            <a:off x="1084246" y="1131571"/>
+            <a:off x="1084246" y="1121061"/>
             <a:ext cx="10012996" cy="4606290"/>
           </a:xfrm>
           <a:prstGeom prst="rect">
